--- a/유스케이스 시나리오.pptx
+++ b/유스케이스 시나리오.pptx
@@ -121,10 +121,10 @@
   </p:defaultTextStyle>
   <p:extLst>
     <p:ext uri="{EFAFB233-063F-42B5-8137-9DF3F51BA10A}">
-      <p15:sldGuideLst xmlns:p15="http://schemas.microsoft.com/office/powerpoint/2012/main" xmlns=""/>
+      <p15:sldGuideLst xmlns="" xmlns:p15="http://schemas.microsoft.com/office/powerpoint/2012/main"/>
     </p:ext>
     <p:ext uri="{2D200454-40CA-4A62-9FC3-DE9A4176ACB9}">
-      <p15:notesGuideLst xmlns:p15="http://schemas.microsoft.com/office/powerpoint/2012/main" xmlns=""/>
+      <p15:notesGuideLst xmlns="" xmlns:p15="http://schemas.microsoft.com/office/powerpoint/2012/main"/>
     </p:ext>
   </p:extLst>
 </p:presentation>
@@ -157,7 +157,7 @@
           <p:cNvPr id="2" name="머리글 개체 틀 1">
             <a:extLst>
               <a:ext uri="{FF2B5EF4-FFF2-40B4-BE49-F238E27FC236}">
-                <a16:creationId xmlns:a16="http://schemas.microsoft.com/office/drawing/2014/main" xmlns="" id="{1A5A22C1-1222-4ED7-978A-0AC049ACFB79}"/>
+                <a16:creationId xmlns="" xmlns:a16="http://schemas.microsoft.com/office/drawing/2014/main" id="{1A5A22C1-1222-4ED7-978A-0AC049ACFB79}"/>
               </a:ext>
             </a:extLst>
           </p:cNvPr>
@@ -194,7 +194,7 @@
           <p:cNvPr id="3" name="날짜 개체 틀 2">
             <a:extLst>
               <a:ext uri="{FF2B5EF4-FFF2-40B4-BE49-F238E27FC236}">
-                <a16:creationId xmlns:a16="http://schemas.microsoft.com/office/drawing/2014/main" xmlns="" id="{A41F26EC-8859-450B-A9EB-AA2D8061C07E}"/>
+                <a16:creationId xmlns="" xmlns:a16="http://schemas.microsoft.com/office/drawing/2014/main" id="{A41F26EC-8859-450B-A9EB-AA2D8061C07E}"/>
               </a:ext>
             </a:extLst>
           </p:cNvPr>
@@ -224,7 +224,7 @@
           <a:p>
             <a:fld id="{D86F7B12-431B-4C41-844D-2B0B7CAB733F}" type="datetimeFigureOut">
               <a:rPr lang="ko-KR" altLang="en-US" smtClean="0"/>
-              <a:t>2019-04-15</a:t>
+              <a:t>2019-04-16</a:t>
             </a:fld>
             <a:endParaRPr lang="ko-KR" altLang="en-US"/>
           </a:p>
@@ -235,7 +235,7 @@
           <p:cNvPr id="4" name="바닥글 개체 틀 3">
             <a:extLst>
               <a:ext uri="{FF2B5EF4-FFF2-40B4-BE49-F238E27FC236}">
-                <a16:creationId xmlns:a16="http://schemas.microsoft.com/office/drawing/2014/main" xmlns="" id="{6285DD4C-FD40-4162-B31B-3A18B0355637}"/>
+                <a16:creationId xmlns="" xmlns:a16="http://schemas.microsoft.com/office/drawing/2014/main" id="{6285DD4C-FD40-4162-B31B-3A18B0355637}"/>
               </a:ext>
             </a:extLst>
           </p:cNvPr>
@@ -272,7 +272,7 @@
           <p:cNvPr id="5" name="슬라이드 번호 개체 틀 4">
             <a:extLst>
               <a:ext uri="{FF2B5EF4-FFF2-40B4-BE49-F238E27FC236}">
-                <a16:creationId xmlns:a16="http://schemas.microsoft.com/office/drawing/2014/main" xmlns="" id="{9B2818FF-446B-403C-ACD9-D71E39776A7F}"/>
+                <a16:creationId xmlns="" xmlns:a16="http://schemas.microsoft.com/office/drawing/2014/main" id="{9B2818FF-446B-403C-ACD9-D71E39776A7F}"/>
               </a:ext>
             </a:extLst>
           </p:cNvPr>
@@ -401,7 +401,7 @@
           <a:p>
             <a:fld id="{44B522EC-D584-400B-8F0E-4958D799F6E6}" type="datetimeFigureOut">
               <a:rPr lang="ko-KR" altLang="en-US" smtClean="0"/>
-              <a:t>2019-04-15</a:t>
+              <a:t>2019-04-16</a:t>
             </a:fld>
             <a:endParaRPr lang="ko-KR" altLang="en-US"/>
           </a:p>
@@ -698,7 +698,7 @@
           <p:cNvPr id="11" name="그림 10">
             <a:extLst>
               <a:ext uri="{FF2B5EF4-FFF2-40B4-BE49-F238E27FC236}">
-                <a16:creationId xmlns:a16="http://schemas.microsoft.com/office/drawing/2014/main" xmlns="" id="{D0A5DDE0-F7BB-4509-A2FF-560F208D2F6A}"/>
+                <a16:creationId xmlns="" xmlns:a16="http://schemas.microsoft.com/office/drawing/2014/main" id="{D0A5DDE0-F7BB-4509-A2FF-560F208D2F6A}"/>
               </a:ext>
             </a:extLst>
           </p:cNvPr>
@@ -733,7 +733,7 @@
           <p:cNvPr id="6" name="그림 5">
             <a:extLst>
               <a:ext uri="{FF2B5EF4-FFF2-40B4-BE49-F238E27FC236}">
-                <a16:creationId xmlns:a16="http://schemas.microsoft.com/office/drawing/2014/main" xmlns="" id="{C487A1DC-0B8B-498C-A38C-78F461667248}"/>
+                <a16:creationId xmlns="" xmlns:a16="http://schemas.microsoft.com/office/drawing/2014/main" id="{C487A1DC-0B8B-498C-A38C-78F461667248}"/>
               </a:ext>
             </a:extLst>
           </p:cNvPr>
@@ -768,7 +768,7 @@
           <p:cNvPr id="12" name="자유형: 도형 11">
             <a:extLst>
               <a:ext uri="{FF2B5EF4-FFF2-40B4-BE49-F238E27FC236}">
-                <a16:creationId xmlns:a16="http://schemas.microsoft.com/office/drawing/2014/main" xmlns="" id="{B8C01EC1-792A-433C-AD4B-A88436B328E8}"/>
+                <a16:creationId xmlns="" xmlns:a16="http://schemas.microsoft.com/office/drawing/2014/main" id="{B8C01EC1-792A-433C-AD4B-A88436B328E8}"/>
               </a:ext>
             </a:extLst>
           </p:cNvPr>
@@ -948,7 +948,7 @@
           <p:cNvPr id="13" name="그림 12">
             <a:extLst>
               <a:ext uri="{FF2B5EF4-FFF2-40B4-BE49-F238E27FC236}">
-                <a16:creationId xmlns:a16="http://schemas.microsoft.com/office/drawing/2014/main" xmlns="" id="{3CFB93E4-30A6-43C1-81E2-0482DF54EC5B}"/>
+                <a16:creationId xmlns="" xmlns:a16="http://schemas.microsoft.com/office/drawing/2014/main" id="{3CFB93E4-30A6-43C1-81E2-0482DF54EC5B}"/>
               </a:ext>
             </a:extLst>
           </p:cNvPr>
@@ -1364,7 +1364,7 @@
           <p:cNvPr id="7" name="그림 6">
             <a:extLst>
               <a:ext uri="{FF2B5EF4-FFF2-40B4-BE49-F238E27FC236}">
-                <a16:creationId xmlns:a16="http://schemas.microsoft.com/office/drawing/2014/main" xmlns="" id="{C365AB1C-0B3D-47C0-9703-9EF36DB9AF85}"/>
+                <a16:creationId xmlns="" xmlns:a16="http://schemas.microsoft.com/office/drawing/2014/main" id="{C365AB1C-0B3D-47C0-9703-9EF36DB9AF85}"/>
               </a:ext>
             </a:extLst>
           </p:cNvPr>
@@ -1399,7 +1399,7 @@
           <p:cNvPr id="3" name="그림 2">
             <a:extLst>
               <a:ext uri="{FF2B5EF4-FFF2-40B4-BE49-F238E27FC236}">
-                <a16:creationId xmlns:a16="http://schemas.microsoft.com/office/drawing/2014/main" xmlns="" id="{83AAE080-8D2A-4AD6-8DC0-F36EFD41B228}"/>
+                <a16:creationId xmlns="" xmlns:a16="http://schemas.microsoft.com/office/drawing/2014/main" id="{83AAE080-8D2A-4AD6-8DC0-F36EFD41B228}"/>
               </a:ext>
             </a:extLst>
           </p:cNvPr>
@@ -1617,7 +1617,7 @@
           <p:cNvPr id="8" name="그림 7">
             <a:extLst>
               <a:ext uri="{FF2B5EF4-FFF2-40B4-BE49-F238E27FC236}">
-                <a16:creationId xmlns:a16="http://schemas.microsoft.com/office/drawing/2014/main" xmlns="" id="{04B12545-5A08-4926-BB6A-77CC0A1E0F8D}"/>
+                <a16:creationId xmlns="" xmlns:a16="http://schemas.microsoft.com/office/drawing/2014/main" id="{04B12545-5A08-4926-BB6A-77CC0A1E0F8D}"/>
               </a:ext>
             </a:extLst>
           </p:cNvPr>
@@ -1652,7 +1652,7 @@
           <p:cNvPr id="3" name="그림 2">
             <a:extLst>
               <a:ext uri="{FF2B5EF4-FFF2-40B4-BE49-F238E27FC236}">
-                <a16:creationId xmlns:a16="http://schemas.microsoft.com/office/drawing/2014/main" xmlns="" id="{92D5A2F5-D5C8-4020-874F-1207E88BFCA4}"/>
+                <a16:creationId xmlns="" xmlns:a16="http://schemas.microsoft.com/office/drawing/2014/main" id="{92D5A2F5-D5C8-4020-874F-1207E88BFCA4}"/>
               </a:ext>
             </a:extLst>
           </p:cNvPr>
@@ -1697,7 +1697,7 @@
           <p:cNvPr id="4" name="직선 연결선 3">
             <a:extLst>
               <a:ext uri="{FF2B5EF4-FFF2-40B4-BE49-F238E27FC236}">
-                <a16:creationId xmlns:a16="http://schemas.microsoft.com/office/drawing/2014/main" xmlns="" id="{3074DFE2-6635-433E-829D-EFC75844BCB8}"/>
+                <a16:creationId xmlns="" xmlns:a16="http://schemas.microsoft.com/office/drawing/2014/main" id="{3074DFE2-6635-433E-829D-EFC75844BCB8}"/>
               </a:ext>
             </a:extLst>
           </p:cNvPr>
@@ -1740,7 +1740,7 @@
           <p:cNvPr id="12" name="슬라이드 번호 개체 틀 5">
             <a:extLst>
               <a:ext uri="{FF2B5EF4-FFF2-40B4-BE49-F238E27FC236}">
-                <a16:creationId xmlns:a16="http://schemas.microsoft.com/office/drawing/2014/main" xmlns="" id="{D977DE41-F078-4C3F-BC4F-2BA67BC16626}"/>
+                <a16:creationId xmlns="" xmlns:a16="http://schemas.microsoft.com/office/drawing/2014/main" id="{D977DE41-F078-4C3F-BC4F-2BA67BC16626}"/>
               </a:ext>
             </a:extLst>
           </p:cNvPr>
@@ -1789,7 +1789,7 @@
           <p:cNvPr id="10" name="그림 9">
             <a:extLst>
               <a:ext uri="{FF2B5EF4-FFF2-40B4-BE49-F238E27FC236}">
-                <a16:creationId xmlns:a16="http://schemas.microsoft.com/office/drawing/2014/main" xmlns="" id="{037F1915-0ADB-4A32-9EB0-5200DA1D20D3}"/>
+                <a16:creationId xmlns="" xmlns:a16="http://schemas.microsoft.com/office/drawing/2014/main" id="{037F1915-0ADB-4A32-9EB0-5200DA1D20D3}"/>
               </a:ext>
             </a:extLst>
           </p:cNvPr>
@@ -2400,7 +2400,7 @@
           <p:cNvPr id="33" name="TextBox 32">
             <a:extLst>
               <a:ext uri="{FF2B5EF4-FFF2-40B4-BE49-F238E27FC236}">
-                <a16:creationId xmlns:a16="http://schemas.microsoft.com/office/drawing/2014/main" xmlns="" id="{3F6F5F92-85B8-4DCF-B6B2-E25531C615EE}"/>
+                <a16:creationId xmlns="" xmlns:a16="http://schemas.microsoft.com/office/drawing/2014/main" id="{3F6F5F92-85B8-4DCF-B6B2-E25531C615EE}"/>
               </a:ext>
             </a:extLst>
           </p:cNvPr>
@@ -2465,7 +2465,7 @@
           <p:cNvPr id="55" name="그룹 54">
             <a:extLst>
               <a:ext uri="{FF2B5EF4-FFF2-40B4-BE49-F238E27FC236}">
-                <a16:creationId xmlns:a16="http://schemas.microsoft.com/office/drawing/2014/main" xmlns="" id="{38213527-FEDC-4C85-8604-0512010739ED}"/>
+                <a16:creationId xmlns="" xmlns:a16="http://schemas.microsoft.com/office/drawing/2014/main" id="{38213527-FEDC-4C85-8604-0512010739ED}"/>
               </a:ext>
             </a:extLst>
           </p:cNvPr>
@@ -2474,10 +2474,10 @@
         </p:nvGrpSpPr>
         <p:grpSpPr>
           <a:xfrm>
-            <a:off x="2108025" y="4113488"/>
-            <a:ext cx="4927952" cy="1292069"/>
-            <a:chOff x="2108025" y="4173120"/>
-            <a:chExt cx="4927952" cy="1292069"/>
+            <a:off x="1897233" y="4113488"/>
+            <a:ext cx="5349541" cy="836078"/>
+            <a:chOff x="1897233" y="4173120"/>
+            <a:chExt cx="5349541" cy="836078"/>
           </a:xfrm>
         </p:grpSpPr>
         <p:sp>
@@ -2485,7 +2485,7 @@
             <p:cNvPr id="25" name="TextBox 24">
               <a:extLst>
                 <a:ext uri="{FF2B5EF4-FFF2-40B4-BE49-F238E27FC236}">
-                  <a16:creationId xmlns:a16="http://schemas.microsoft.com/office/drawing/2014/main" xmlns="" id="{A1D65B6F-BECE-4803-A0AB-F2D1839F4CEE}"/>
+                  <a16:creationId xmlns="" xmlns:a16="http://schemas.microsoft.com/office/drawing/2014/main" id="{A1D65B6F-BECE-4803-A0AB-F2D1839F4CEE}"/>
                 </a:ext>
               </a:extLst>
             </p:cNvPr>
@@ -2494,8 +2494,8 @@
           </p:nvSpPr>
           <p:spPr>
             <a:xfrm>
-              <a:off x="2227000" y="4239757"/>
-              <a:ext cx="4690002" cy="769441"/>
+              <a:off x="1897233" y="4239757"/>
+              <a:ext cx="5349541" cy="769441"/>
             </a:xfrm>
             <a:prstGeom prst="rect">
               <a:avLst/>
@@ -2510,7 +2510,7 @@
             <a:p>
               <a:pPr algn="ctr"/>
               <a:r>
-                <a:rPr lang="en-US" altLang="ko-KR" sz="4400" b="1" dirty="0">
+                <a:rPr lang="ko-KR" altLang="en-US" sz="4400" b="1" dirty="0" err="1" smtClean="0">
                   <a:solidFill>
                     <a:srgbClr val="C10A14"/>
                   </a:solidFill>
@@ -2518,10 +2518,10 @@
                   <a:ea typeface="나눔스퀘어 ExtraBold" panose="020B0600000101010101" pitchFamily="50" charset="-127"/>
                   <a:cs typeface="Arial" panose="020B0604020202020204" pitchFamily="34" charset="0"/>
                 </a:rPr>
-                <a:t>KNU</a:t>
+                <a:t>유스케이스</a:t>
               </a:r>
               <a:r>
-                <a:rPr lang="ko-KR" altLang="en-US" sz="4400" b="1" dirty="0">
+                <a:rPr lang="ko-KR" altLang="en-US" sz="4400" b="1" dirty="0" smtClean="0">
                   <a:solidFill>
                     <a:srgbClr val="C10A14"/>
                   </a:solidFill>
@@ -2529,18 +2529,7 @@
                   <a:ea typeface="나눔스퀘어 ExtraBold" panose="020B0600000101010101" pitchFamily="50" charset="-127"/>
                   <a:cs typeface="Arial" panose="020B0604020202020204" pitchFamily="34" charset="0"/>
                 </a:rPr>
-                <a:t> </a:t>
-              </a:r>
-              <a:r>
-                <a:rPr lang="en-US" altLang="ko-KR" sz="4400" b="1" dirty="0">
-                  <a:solidFill>
-                    <a:srgbClr val="C10A14"/>
-                  </a:solidFill>
-                  <a:latin typeface="Arial Black" panose="020B0A04020102020204" pitchFamily="34" charset="0"/>
-                  <a:ea typeface="나눔스퀘어 ExtraBold" panose="020B0600000101010101" pitchFamily="50" charset="-127"/>
-                  <a:cs typeface="Arial" panose="020B0604020202020204" pitchFamily="34" charset="0"/>
-                </a:rPr>
-                <a:t>SEMINAR</a:t>
+                <a:t> 시나리오</a:t>
               </a:r>
               <a:endParaRPr lang="ko-KR" altLang="en-US" sz="4400" b="1" dirty="0">
                 <a:solidFill>
@@ -2553,61 +2542,12 @@
             </a:p>
           </p:txBody>
         </p:sp>
-        <p:sp>
-          <p:nvSpPr>
-            <p:cNvPr id="26" name="TextBox 25">
-              <a:extLst>
-                <a:ext uri="{FF2B5EF4-FFF2-40B4-BE49-F238E27FC236}">
-                  <a16:creationId xmlns:a16="http://schemas.microsoft.com/office/drawing/2014/main" xmlns="" id="{37709D84-1A22-4279-8028-003D7339AA74}"/>
-                </a:ext>
-              </a:extLst>
-            </p:cNvPr>
-            <p:cNvSpPr txBox="1"/>
-            <p:nvPr/>
-          </p:nvSpPr>
-          <p:spPr>
-            <a:xfrm>
-              <a:off x="2108025" y="5126635"/>
-              <a:ext cx="4927952" cy="338554"/>
-            </a:xfrm>
-            <a:prstGeom prst="rect">
-              <a:avLst/>
-            </a:prstGeom>
-            <a:noFill/>
-            <a:scene3d>
-              <a:camera prst="obliqueBottomLeft"/>
-              <a:lightRig rig="threePt" dir="t"/>
-            </a:scene3d>
-          </p:spPr>
-          <p:txBody>
-            <a:bodyPr wrap="none" rtlCol="0">
-              <a:spAutoFit/>
-            </a:bodyPr>
-            <a:lstStyle/>
-            <a:p>
-              <a:pPr algn="ctr"/>
-              <a:r>
-                <a:rPr lang="en-US" altLang="ko-KR" sz="1600" dirty="0">
-                  <a:latin typeface="Arial" panose="020B0604020202020204" pitchFamily="34" charset="0"/>
-                  <a:ea typeface="나눔스퀘어" panose="020B0600000101010101" pitchFamily="50" charset="-127"/>
-                  <a:cs typeface="Arial" panose="020B0604020202020204" pitchFamily="34" charset="0"/>
-                </a:rPr>
-                <a:t>Free PowerPoint template for Educational Seminar</a:t>
-              </a:r>
-              <a:endParaRPr lang="ko-KR" altLang="en-US" sz="1600" dirty="0">
-                <a:latin typeface="Arial" panose="020B0604020202020204" pitchFamily="34" charset="0"/>
-                <a:ea typeface="나눔스퀘어" panose="020B0600000101010101" pitchFamily="50" charset="-127"/>
-                <a:cs typeface="Arial" panose="020B0604020202020204" pitchFamily="34" charset="0"/>
-              </a:endParaRPr>
-            </a:p>
-          </p:txBody>
-        </p:sp>
         <p:pic>
           <p:nvPicPr>
             <p:cNvPr id="53" name="그림 52">
               <a:extLst>
                 <a:ext uri="{FF2B5EF4-FFF2-40B4-BE49-F238E27FC236}">
-                  <a16:creationId xmlns:a16="http://schemas.microsoft.com/office/drawing/2014/main" xmlns="" id="{D352621C-97BE-486C-B91A-7CCD7412C9D0}"/>
+                  <a16:creationId xmlns="" xmlns:a16="http://schemas.microsoft.com/office/drawing/2014/main" id="{D352621C-97BE-486C-B91A-7CCD7412C9D0}"/>
                 </a:ext>
               </a:extLst>
             </p:cNvPr>
@@ -2649,7 +2589,7 @@
             <p:cNvPr id="54" name="그림 53">
               <a:extLst>
                 <a:ext uri="{FF2B5EF4-FFF2-40B4-BE49-F238E27FC236}">
-                  <a16:creationId xmlns:a16="http://schemas.microsoft.com/office/drawing/2014/main" xmlns="" id="{647798DB-5AE0-4CCF-9C1C-804F26DF510B}"/>
+                  <a16:creationId xmlns="" xmlns:a16="http://schemas.microsoft.com/office/drawing/2014/main" id="{647798DB-5AE0-4CCF-9C1C-804F26DF510B}"/>
                 </a:ext>
               </a:extLst>
             </p:cNvPr>
@@ -2828,7 +2768,7 @@
           <p:cNvPr id="8" name="그룹 7">
             <a:extLst>
               <a:ext uri="{FF2B5EF4-FFF2-40B4-BE49-F238E27FC236}">
-                <a16:creationId xmlns:a16="http://schemas.microsoft.com/office/drawing/2014/main" xmlns="" id="{24B82252-CA0F-4F52-BCCF-93884FF68E9E}"/>
+                <a16:creationId xmlns="" xmlns:a16="http://schemas.microsoft.com/office/drawing/2014/main" id="{24B82252-CA0F-4F52-BCCF-93884FF68E9E}"/>
               </a:ext>
             </a:extLst>
           </p:cNvPr>
@@ -2848,7 +2788,7 @@
             <p:cNvPr id="5" name="TextBox 4">
               <a:extLst>
                 <a:ext uri="{FF2B5EF4-FFF2-40B4-BE49-F238E27FC236}">
-                  <a16:creationId xmlns:a16="http://schemas.microsoft.com/office/drawing/2014/main" xmlns="" id="{B54DD856-5CAA-4528-AF73-23F84F0BF893}"/>
+                  <a16:creationId xmlns="" xmlns:a16="http://schemas.microsoft.com/office/drawing/2014/main" id="{B54DD856-5CAA-4528-AF73-23F84F0BF893}"/>
                 </a:ext>
               </a:extLst>
             </p:cNvPr>
@@ -2905,7 +2845,7 @@
             <p:cNvPr id="6" name="직사각형 5">
               <a:extLst>
                 <a:ext uri="{FF2B5EF4-FFF2-40B4-BE49-F238E27FC236}">
-                  <a16:creationId xmlns:a16="http://schemas.microsoft.com/office/drawing/2014/main" xmlns="" id="{2AF66AE4-F95C-4F5B-9FBD-1475FC0C21FF}"/>
+                  <a16:creationId xmlns="" xmlns:a16="http://schemas.microsoft.com/office/drawing/2014/main" id="{2AF66AE4-F95C-4F5B-9FBD-1475FC0C21FF}"/>
                 </a:ext>
               </a:extLst>
             </p:cNvPr>
@@ -2954,7 +2894,7 @@
           <p:cNvPr id="9" name="TextBox 8">
             <a:extLst>
               <a:ext uri="{FF2B5EF4-FFF2-40B4-BE49-F238E27FC236}">
-                <a16:creationId xmlns:a16="http://schemas.microsoft.com/office/drawing/2014/main" xmlns="" id="{39D00778-B9A3-44E8-87F7-8F2CC0D9F392}"/>
+                <a16:creationId xmlns="" xmlns:a16="http://schemas.microsoft.com/office/drawing/2014/main" id="{39D00778-B9A3-44E8-87F7-8F2CC0D9F392}"/>
               </a:ext>
             </a:extLst>
           </p:cNvPr>
@@ -3333,7 +3273,7 @@
           <p:cNvPr id="3" name="직사각형 2">
             <a:extLst>
               <a:ext uri="{FF2B5EF4-FFF2-40B4-BE49-F238E27FC236}">
-                <a16:creationId xmlns:a16="http://schemas.microsoft.com/office/drawing/2014/main" xmlns="" id="{3EFC91FF-35FC-42C7-8717-28A6C8D73416}"/>
+                <a16:creationId xmlns="" xmlns:a16="http://schemas.microsoft.com/office/drawing/2014/main" id="{3EFC91FF-35FC-42C7-8717-28A6C8D73416}"/>
               </a:ext>
             </a:extLst>
           </p:cNvPr>
@@ -3385,7 +3325,7 @@
           <p:cNvPr id="4" name="TextBox 3">
             <a:extLst>
               <a:ext uri="{FF2B5EF4-FFF2-40B4-BE49-F238E27FC236}">
-                <a16:creationId xmlns:a16="http://schemas.microsoft.com/office/drawing/2014/main" xmlns="" id="{44353748-190C-4376-BB48-FD26D281FC4A}"/>
+                <a16:creationId xmlns="" xmlns:a16="http://schemas.microsoft.com/office/drawing/2014/main" id="{44353748-190C-4376-BB48-FD26D281FC4A}"/>
               </a:ext>
             </a:extLst>
           </p:cNvPr>
@@ -3442,14 +3382,14 @@
           <p:nvPr>
             <p:extLst>
               <p:ext uri="{D42A27DB-BD31-4B8C-83A1-F6EECF244321}">
-                <p14:modId xmlns:p14="http://schemas.microsoft.com/office/powerpoint/2010/main" val="1047604885"/>
+                <p14:modId xmlns:p14="http://schemas.microsoft.com/office/powerpoint/2010/main" val="2433006531"/>
               </p:ext>
             </p:extLst>
           </p:nvPr>
         </p:nvGraphicFramePr>
         <p:xfrm>
-          <a:off x="1499937" y="1782008"/>
-          <a:ext cx="6096000" cy="3951161"/>
+          <a:off x="998529" y="1466633"/>
+          <a:ext cx="7099186" cy="4626440"/>
         </p:xfrm>
         <a:graphic>
           <a:graphicData uri="http://schemas.openxmlformats.org/drawingml/2006/table">
@@ -3458,22 +3398,22 @@
                 <a:tableStyleId>{5C22544A-7EE6-4342-B048-85BDC9FD1C3A}</a:tableStyleId>
               </a:tblPr>
               <a:tblGrid>
-                <a:gridCol w="866274">
+                <a:gridCol w="1008832">
                   <a:extLst>
                     <a:ext uri="{9D8B030D-6E8A-4147-A177-3AD203B41FA5}">
-                      <a16:colId xmlns:a16="http://schemas.microsoft.com/office/drawing/2014/main" xmlns="" val="20000"/>
+                      <a16:colId xmlns="" xmlns:a16="http://schemas.microsoft.com/office/drawing/2014/main" val="20000"/>
                     </a:ext>
                   </a:extLst>
                 </a:gridCol>
-                <a:gridCol w="5229726">
+                <a:gridCol w="6090354">
                   <a:extLst>
                     <a:ext uri="{9D8B030D-6E8A-4147-A177-3AD203B41FA5}">
-                      <a16:colId xmlns:a16="http://schemas.microsoft.com/office/drawing/2014/main" xmlns="" val="20001"/>
+                      <a16:colId xmlns="" xmlns:a16="http://schemas.microsoft.com/office/drawing/2014/main" val="20001"/>
                     </a:ext>
                   </a:extLst>
                 </a:gridCol>
               </a:tblGrid>
-              <a:tr h="370840">
+              <a:tr h="434219">
                 <a:tc>
                   <a:txBody>
                     <a:bodyPr/>
@@ -3505,11 +3445,11 @@
                 </a:tc>
                 <a:extLst>
                   <a:ext uri="{0D108BD9-81ED-4DB2-BD59-A6C34878D82A}">
-                    <a16:rowId xmlns:a16="http://schemas.microsoft.com/office/drawing/2014/main" xmlns="" val="10000"/>
+                    <a16:rowId xmlns="" xmlns:a16="http://schemas.microsoft.com/office/drawing/2014/main" val="10000"/>
                   </a:ext>
                 </a:extLst>
               </a:tr>
-              <a:tr h="370840">
+              <a:tr h="434219">
                 <a:tc>
                   <a:txBody>
                     <a:bodyPr/>
@@ -3553,11 +3493,11 @@
                 </a:tc>
                 <a:extLst>
                   <a:ext uri="{0D108BD9-81ED-4DB2-BD59-A6C34878D82A}">
-                    <a16:rowId xmlns:a16="http://schemas.microsoft.com/office/drawing/2014/main" xmlns="" val="10001"/>
+                    <a16:rowId xmlns="" xmlns:a16="http://schemas.microsoft.com/office/drawing/2014/main" val="10001"/>
                   </a:ext>
                 </a:extLst>
               </a:tr>
-              <a:tr h="370840">
+              <a:tr h="434219">
                 <a:tc>
                   <a:txBody>
                     <a:bodyPr/>
@@ -3589,11 +3529,11 @@
                 </a:tc>
                 <a:extLst>
                   <a:ext uri="{0D108BD9-81ED-4DB2-BD59-A6C34878D82A}">
-                    <a16:rowId xmlns:a16="http://schemas.microsoft.com/office/drawing/2014/main" xmlns="" val="10002"/>
+                    <a16:rowId xmlns="" xmlns:a16="http://schemas.microsoft.com/office/drawing/2014/main" val="10002"/>
                   </a:ext>
                 </a:extLst>
               </a:tr>
-              <a:tr h="370840">
+              <a:tr h="434219">
                 <a:tc>
                   <a:txBody>
                     <a:bodyPr/>
@@ -3650,11 +3590,11 @@
                 </a:tc>
                 <a:extLst>
                   <a:ext uri="{0D108BD9-81ED-4DB2-BD59-A6C34878D82A}">
-                    <a16:rowId xmlns:a16="http://schemas.microsoft.com/office/drawing/2014/main" xmlns="" val="10003"/>
+                    <a16:rowId xmlns="" xmlns:a16="http://schemas.microsoft.com/office/drawing/2014/main" val="10003"/>
                   </a:ext>
                 </a:extLst>
               </a:tr>
-              <a:tr h="370840">
+              <a:tr h="434219">
                 <a:tc>
                   <a:txBody>
                     <a:bodyPr/>
@@ -3677,12 +3617,8 @@
                     <a:p>
                       <a:pPr algn="l" latinLnBrk="1"/>
                       <a:r>
-                        <a:rPr lang="en-US" altLang="ko-KR" dirty="0" err="1"/>
-                        <a:t>Sstring</a:t>
-                      </a:r>
-                      <a:r>
-                        <a:rPr lang="en-US" altLang="ko-KR" dirty="0"/>
-                        <a:t> </a:t>
+                        <a:rPr lang="en-US" altLang="ko-KR" dirty="0" smtClean="0"/>
+                        <a:t>String </a:t>
                       </a:r>
                       <a:r>
                         <a:rPr lang="en-US" altLang="ko-KR" dirty="0" err="1"/>
@@ -3729,11 +3665,11 @@
                 </a:tc>
                 <a:extLst>
                   <a:ext uri="{0D108BD9-81ED-4DB2-BD59-A6C34878D82A}">
-                    <a16:rowId xmlns:a16="http://schemas.microsoft.com/office/drawing/2014/main" xmlns="" val="10004"/>
+                    <a16:rowId xmlns="" xmlns:a16="http://schemas.microsoft.com/office/drawing/2014/main" val="10004"/>
                   </a:ext>
                 </a:extLst>
               </a:tr>
-              <a:tr h="370840">
+              <a:tr h="434219">
                 <a:tc>
                   <a:txBody>
                     <a:bodyPr/>
@@ -3817,11 +3753,11 @@
                 </a:tc>
                 <a:extLst>
                   <a:ext uri="{0D108BD9-81ED-4DB2-BD59-A6C34878D82A}">
-                    <a16:rowId xmlns:a16="http://schemas.microsoft.com/office/drawing/2014/main" xmlns="" val="10005"/>
+                    <a16:rowId xmlns="" xmlns:a16="http://schemas.microsoft.com/office/drawing/2014/main" val="10005"/>
                   </a:ext>
                 </a:extLst>
               </a:tr>
-              <a:tr h="370840">
+              <a:tr h="1152688">
                 <a:tc>
                   <a:txBody>
                     <a:bodyPr/>
@@ -3960,11 +3896,11 @@
                 </a:tc>
                 <a:extLst>
                   <a:ext uri="{0D108BD9-81ED-4DB2-BD59-A6C34878D82A}">
-                    <a16:rowId xmlns:a16="http://schemas.microsoft.com/office/drawing/2014/main" xmlns="" val="10006"/>
+                    <a16:rowId xmlns="" xmlns:a16="http://schemas.microsoft.com/office/drawing/2014/main" val="10006"/>
                   </a:ext>
                 </a:extLst>
               </a:tr>
-              <a:tr h="370840">
+              <a:tr h="434219">
                 <a:tc>
                   <a:txBody>
                     <a:bodyPr/>
@@ -3999,11 +3935,11 @@
                 </a:tc>
                 <a:extLst>
                   <a:ext uri="{0D108BD9-81ED-4DB2-BD59-A6C34878D82A}">
-                    <a16:rowId xmlns:a16="http://schemas.microsoft.com/office/drawing/2014/main" xmlns="" val="10007"/>
+                    <a16:rowId xmlns="" xmlns:a16="http://schemas.microsoft.com/office/drawing/2014/main" val="10007"/>
                   </a:ext>
                 </a:extLst>
               </a:tr>
-              <a:tr h="370840">
+              <a:tr h="434219">
                 <a:tc>
                   <a:txBody>
                     <a:bodyPr/>
@@ -4039,7 +3975,7 @@
                 </a:tc>
                 <a:extLst>
                   <a:ext uri="{0D108BD9-81ED-4DB2-BD59-A6C34878D82A}">
-                    <a16:rowId xmlns:a16="http://schemas.microsoft.com/office/drawing/2014/main" xmlns="" val="10008"/>
+                    <a16:rowId xmlns="" xmlns:a16="http://schemas.microsoft.com/office/drawing/2014/main" val="10008"/>
                   </a:ext>
                 </a:extLst>
               </a:tr>
@@ -4060,6 +3996,13 @@
   <p:transition spd="slow">
     <p:fade/>
   </p:transition>
+  <p:timing>
+    <p:tnLst>
+      <p:par>
+        <p:cTn id="1" dur="indefinite" restart="never" nodeType="tmRoot"/>
+      </p:par>
+    </p:tnLst>
+  </p:timing>
 </p:sld>
 </file>
 
@@ -4109,7 +4052,7 @@
           <p:cNvPr id="3" name="TextBox 2">
             <a:extLst>
               <a:ext uri="{FF2B5EF4-FFF2-40B4-BE49-F238E27FC236}">
-                <a16:creationId xmlns:a16="http://schemas.microsoft.com/office/drawing/2014/main" xmlns="" id="{44353748-190C-4376-BB48-FD26D281FC4A}"/>
+                <a16:creationId xmlns="" xmlns:a16="http://schemas.microsoft.com/office/drawing/2014/main" id="{44353748-190C-4376-BB48-FD26D281FC4A}"/>
               </a:ext>
             </a:extLst>
           </p:cNvPr>
@@ -4162,7 +4105,7 @@
           <p:cNvPr id="4" name="직사각형 3">
             <a:extLst>
               <a:ext uri="{FF2B5EF4-FFF2-40B4-BE49-F238E27FC236}">
-                <a16:creationId xmlns:a16="http://schemas.microsoft.com/office/drawing/2014/main" xmlns="" id="{3EFC91FF-35FC-42C7-8717-28A6C8D73416}"/>
+                <a16:creationId xmlns="" xmlns:a16="http://schemas.microsoft.com/office/drawing/2014/main" id="{3EFC91FF-35FC-42C7-8717-28A6C8D73416}"/>
               </a:ext>
             </a:extLst>
           </p:cNvPr>
@@ -4248,14 +4191,14 @@
           <p:nvPr>
             <p:extLst>
               <p:ext uri="{D42A27DB-BD31-4B8C-83A1-F6EECF244321}">
-                <p14:modId xmlns:p14="http://schemas.microsoft.com/office/powerpoint/2010/main" val="13318250"/>
+                <p14:modId xmlns:p14="http://schemas.microsoft.com/office/powerpoint/2010/main" val="2342517344"/>
               </p:ext>
             </p:extLst>
           </p:nvPr>
         </p:nvGraphicFramePr>
         <p:xfrm>
           <a:off x="861201" y="1587147"/>
-          <a:ext cx="6687718" cy="4320046"/>
+          <a:ext cx="7157384" cy="4664188"/>
         </p:xfrm>
         <a:graphic>
           <a:graphicData uri="http://schemas.openxmlformats.org/drawingml/2006/table">
@@ -4264,10 +4207,10 @@
                 <a:tableStyleId>{5C22544A-7EE6-4342-B048-85BDC9FD1C3A}</a:tableStyleId>
               </a:tblPr>
               <a:tblGrid>
-                <a:gridCol w="950360"/>
-                <a:gridCol w="5737358"/>
+                <a:gridCol w="1017102"/>
+                <a:gridCol w="6140282"/>
               </a:tblGrid>
-              <a:tr h="464790">
+              <a:tr h="501816">
                 <a:tc>
                   <a:txBody>
                     <a:bodyPr/>
@@ -4303,7 +4246,7 @@
                   <a:tcPr/>
                 </a:tc>
               </a:tr>
-              <a:tr h="464790">
+              <a:tr h="501816">
                 <a:tc>
                   <a:txBody>
                     <a:bodyPr/>
@@ -4347,7 +4290,7 @@
                   <a:tcPr/>
                 </a:tc>
               </a:tr>
-              <a:tr h="464790">
+              <a:tr h="501816">
                 <a:tc>
                   <a:txBody>
                     <a:bodyPr/>
@@ -4379,7 +4322,7 @@
                   <a:tcPr/>
                 </a:tc>
               </a:tr>
-              <a:tr h="464790">
+              <a:tr h="501816">
                 <a:tc>
                   <a:txBody>
                     <a:bodyPr/>
@@ -4423,7 +4366,7 @@
                   <a:tcPr/>
                 </a:tc>
               </a:tr>
-              <a:tr h="464790">
+              <a:tr h="501816">
                 <a:tc>
                   <a:txBody>
                     <a:bodyPr/>
@@ -4479,7 +4422,7 @@
                   <a:tcPr/>
                 </a:tc>
               </a:tr>
-              <a:tr h="464790">
+              <a:tr h="501816">
                 <a:tc>
                   <a:txBody>
                     <a:bodyPr/>
@@ -4539,7 +4482,7 @@
                   <a:tcPr/>
                 </a:tc>
               </a:tr>
-              <a:tr h="464790">
+              <a:tr h="649660">
                 <a:tc>
                   <a:txBody>
                     <a:bodyPr/>
@@ -4664,7 +4607,7 @@
                   <a:tcPr/>
                 </a:tc>
               </a:tr>
-              <a:tr h="464790">
+              <a:tr h="501816">
                 <a:tc>
                   <a:txBody>
                     <a:bodyPr/>
@@ -4740,7 +4683,7 @@
                   <a:tcPr/>
                 </a:tc>
               </a:tr>
-              <a:tr h="464790">
+              <a:tr h="501816">
                 <a:tc>
                   <a:txBody>
                     <a:bodyPr/>
@@ -4825,6 +4768,13 @@
   <p:transition spd="slow">
     <p:fade/>
   </p:transition>
+  <p:timing>
+    <p:tnLst>
+      <p:par>
+        <p:cTn id="1" dur="indefinite" restart="never" nodeType="tmRoot"/>
+      </p:par>
+    </p:tnLst>
+  </p:timing>
 </p:sld>
 </file>
 
@@ -4874,7 +4824,7 @@
           <p:cNvPr id="3" name="직사각형 2">
             <a:extLst>
               <a:ext uri="{FF2B5EF4-FFF2-40B4-BE49-F238E27FC236}">
-                <a16:creationId xmlns:a16="http://schemas.microsoft.com/office/drawing/2014/main" xmlns="" id="{3EFC91FF-35FC-42C7-8717-28A6C8D73416}"/>
+                <a16:creationId xmlns="" xmlns:a16="http://schemas.microsoft.com/office/drawing/2014/main" id="{3EFC91FF-35FC-42C7-8717-28A6C8D73416}"/>
               </a:ext>
             </a:extLst>
           </p:cNvPr>
@@ -4946,7 +4896,7 @@
           <p:cNvPr id="4" name="TextBox 3">
             <a:extLst>
               <a:ext uri="{FF2B5EF4-FFF2-40B4-BE49-F238E27FC236}">
-                <a16:creationId xmlns:a16="http://schemas.microsoft.com/office/drawing/2014/main" xmlns="" id="{44353748-190C-4376-BB48-FD26D281FC4A}"/>
+                <a16:creationId xmlns="" xmlns:a16="http://schemas.microsoft.com/office/drawing/2014/main" id="{44353748-190C-4376-BB48-FD26D281FC4A}"/>
               </a:ext>
             </a:extLst>
           </p:cNvPr>
@@ -5003,14 +4953,14 @@
           <p:nvPr>
             <p:extLst>
               <p:ext uri="{D42A27DB-BD31-4B8C-83A1-F6EECF244321}">
-                <p14:modId xmlns:p14="http://schemas.microsoft.com/office/powerpoint/2010/main" val="1319987405"/>
+                <p14:modId xmlns:p14="http://schemas.microsoft.com/office/powerpoint/2010/main" val="353434081"/>
               </p:ext>
             </p:extLst>
           </p:nvPr>
         </p:nvGraphicFramePr>
         <p:xfrm>
-          <a:off x="1079751" y="1563349"/>
-          <a:ext cx="6365769" cy="3969705"/>
+          <a:off x="883516" y="1449049"/>
+          <a:ext cx="7091107" cy="4591269"/>
         </p:xfrm>
         <a:graphic>
           <a:graphicData uri="http://schemas.openxmlformats.org/drawingml/2006/table">
@@ -5019,10 +4969,10 @@
                 <a:tableStyleId>{5C22544A-7EE6-4342-B048-85BDC9FD1C3A}</a:tableStyleId>
               </a:tblPr>
               <a:tblGrid>
-                <a:gridCol w="904610"/>
-                <a:gridCol w="5461159"/>
+                <a:gridCol w="1007684"/>
+                <a:gridCol w="6083423"/>
               </a:tblGrid>
-              <a:tr h="374882">
+              <a:tr h="433580">
                 <a:tc>
                   <a:txBody>
                     <a:bodyPr/>
@@ -5054,7 +5004,7 @@
                   <a:tcPr/>
                 </a:tc>
               </a:tr>
-              <a:tr h="374882">
+              <a:tr h="433580">
                 <a:tc>
                   <a:txBody>
                     <a:bodyPr/>
@@ -5110,7 +5060,7 @@
                   <a:tcPr/>
                 </a:tc>
               </a:tr>
-              <a:tr h="374882">
+              <a:tr h="433580">
                 <a:tc>
                   <a:txBody>
                     <a:bodyPr/>
@@ -5142,7 +5092,7 @@
                   <a:tcPr/>
                 </a:tc>
               </a:tr>
-              <a:tr h="374882">
+              <a:tr h="433580">
                 <a:tc>
                   <a:txBody>
                     <a:bodyPr/>
@@ -5197,7 +5147,7 @@
                   <a:tcPr/>
                 </a:tc>
               </a:tr>
-              <a:tr h="479323">
+              <a:tr h="554374">
                 <a:tc>
                   <a:txBody>
                     <a:bodyPr/>
@@ -5337,7 +5287,7 @@
                   <a:tcPr/>
                 </a:tc>
               </a:tr>
-              <a:tr h="374882">
+              <a:tr h="433580">
                 <a:tc>
                   <a:txBody>
                     <a:bodyPr/>
@@ -5381,7 +5331,7 @@
                   <a:tcPr/>
                 </a:tc>
               </a:tr>
-              <a:tr h="866208">
+              <a:tr h="1001835">
                 <a:tc>
                   <a:txBody>
                     <a:bodyPr/>
@@ -5528,7 +5478,7 @@
                   <a:tcPr/>
                 </a:tc>
               </a:tr>
-              <a:tr h="374882">
+              <a:tr h="433580">
                 <a:tc>
                   <a:txBody>
                     <a:bodyPr/>
@@ -5592,7 +5542,7 @@
                   <a:tcPr/>
                 </a:tc>
               </a:tr>
-              <a:tr h="374882">
+              <a:tr h="433580">
                 <a:tc>
                   <a:txBody>
                     <a:bodyPr/>
@@ -5649,6 +5599,13 @@
   <p:transition spd="slow">
     <p:fade/>
   </p:transition>
+  <p:timing>
+    <p:tnLst>
+      <p:par>
+        <p:cTn id="1" dur="indefinite" restart="never" nodeType="tmRoot"/>
+      </p:par>
+    </p:tnLst>
+  </p:timing>
 </p:sld>
 </file>
 
@@ -5698,7 +5655,7 @@
           <p:cNvPr id="3" name="TextBox 2">
             <a:extLst>
               <a:ext uri="{FF2B5EF4-FFF2-40B4-BE49-F238E27FC236}">
-                <a16:creationId xmlns:a16="http://schemas.microsoft.com/office/drawing/2014/main" xmlns="" id="{44353748-190C-4376-BB48-FD26D281FC4A}"/>
+                <a16:creationId xmlns="" xmlns:a16="http://schemas.microsoft.com/office/drawing/2014/main" id="{44353748-190C-4376-BB48-FD26D281FC4A}"/>
               </a:ext>
             </a:extLst>
           </p:cNvPr>
@@ -5751,7 +5708,7 @@
           <p:cNvPr id="4" name="직사각형 3">
             <a:extLst>
               <a:ext uri="{FF2B5EF4-FFF2-40B4-BE49-F238E27FC236}">
-                <a16:creationId xmlns:a16="http://schemas.microsoft.com/office/drawing/2014/main" xmlns="" id="{3EFC91FF-35FC-42C7-8717-28A6C8D73416}"/>
+                <a16:creationId xmlns="" xmlns:a16="http://schemas.microsoft.com/office/drawing/2014/main" id="{3EFC91FF-35FC-42C7-8717-28A6C8D73416}"/>
               </a:ext>
             </a:extLst>
           </p:cNvPr>
@@ -5827,14 +5784,14 @@
           <p:nvPr>
             <p:extLst>
               <p:ext uri="{D42A27DB-BD31-4B8C-83A1-F6EECF244321}">
-                <p14:modId xmlns:p14="http://schemas.microsoft.com/office/powerpoint/2010/main" val="2752877469"/>
+                <p14:modId xmlns:p14="http://schemas.microsoft.com/office/powerpoint/2010/main" val="1304232548"/>
               </p:ext>
             </p:extLst>
           </p:nvPr>
         </p:nvGraphicFramePr>
         <p:xfrm>
-          <a:off x="663611" y="1563349"/>
-          <a:ext cx="6950170" cy="4212297"/>
+          <a:off x="663610" y="1563349"/>
+          <a:ext cx="7275843" cy="4406625"/>
         </p:xfrm>
         <a:graphic>
           <a:graphicData uri="http://schemas.openxmlformats.org/drawingml/2006/table">
@@ -5843,10 +5800,10 @@
                 <a:tableStyleId>{5C22544A-7EE6-4342-B048-85BDC9FD1C3A}</a:tableStyleId>
               </a:tblPr>
               <a:tblGrid>
-                <a:gridCol w="987654"/>
-                <a:gridCol w="5962516"/>
+                <a:gridCol w="1033934"/>
+                <a:gridCol w="6241909"/>
               </a:tblGrid>
-              <a:tr h="468033">
+              <a:tr h="489625">
                 <a:tc>
                   <a:txBody>
                     <a:bodyPr/>
@@ -5898,7 +5855,7 @@
                   <a:tcPr/>
                 </a:tc>
               </a:tr>
-              <a:tr h="468033">
+              <a:tr h="489625">
                 <a:tc>
                   <a:txBody>
                     <a:bodyPr/>
@@ -5950,7 +5907,7 @@
                   <a:tcPr/>
                 </a:tc>
               </a:tr>
-              <a:tr h="468033">
+              <a:tr h="489625">
                 <a:tc>
                   <a:txBody>
                     <a:bodyPr/>
@@ -5994,7 +5951,7 @@
                   <a:tcPr/>
                 </a:tc>
               </a:tr>
-              <a:tr h="468033">
+              <a:tr h="489625">
                 <a:tc>
                   <a:txBody>
                     <a:bodyPr/>
@@ -6054,7 +6011,7 @@
                   <a:tcPr/>
                 </a:tc>
               </a:tr>
-              <a:tr h="468033">
+              <a:tr h="489625">
                 <a:tc>
                   <a:txBody>
                     <a:bodyPr/>
@@ -6090,7 +6047,7 @@
                   <a:tcPr/>
                 </a:tc>
               </a:tr>
-              <a:tr h="468033">
+              <a:tr h="489625">
                 <a:tc>
                   <a:txBody>
                     <a:bodyPr/>
@@ -6130,7 +6087,7 @@
                   <a:tcPr/>
                 </a:tc>
               </a:tr>
-              <a:tr h="468033">
+              <a:tr h="489625">
                 <a:tc>
                   <a:txBody>
                     <a:bodyPr/>
@@ -6212,7 +6169,7 @@
                   <a:tcPr/>
                 </a:tc>
               </a:tr>
-              <a:tr h="468033">
+              <a:tr h="489625">
                 <a:tc>
                   <a:txBody>
                     <a:bodyPr/>
@@ -6288,7 +6245,7 @@
                   <a:tcPr/>
                 </a:tc>
               </a:tr>
-              <a:tr h="468033">
+              <a:tr h="489625">
                 <a:tc>
                   <a:txBody>
                     <a:bodyPr/>
@@ -6461,7 +6418,7 @@
           <p:cNvPr id="3" name="TextBox 2">
             <a:extLst>
               <a:ext uri="{FF2B5EF4-FFF2-40B4-BE49-F238E27FC236}">
-                <a16:creationId xmlns:a16="http://schemas.microsoft.com/office/drawing/2014/main" xmlns="" id="{44353748-190C-4376-BB48-FD26D281FC4A}"/>
+                <a16:creationId xmlns="" xmlns:a16="http://schemas.microsoft.com/office/drawing/2014/main" id="{44353748-190C-4376-BB48-FD26D281FC4A}"/>
               </a:ext>
             </a:extLst>
           </p:cNvPr>
@@ -6514,7 +6471,7 @@
           <p:cNvPr id="4" name="직사각형 3">
             <a:extLst>
               <a:ext uri="{FF2B5EF4-FFF2-40B4-BE49-F238E27FC236}">
-                <a16:creationId xmlns:a16="http://schemas.microsoft.com/office/drawing/2014/main" xmlns="" id="{3EFC91FF-35FC-42C7-8717-28A6C8D73416}"/>
+                <a16:creationId xmlns="" xmlns:a16="http://schemas.microsoft.com/office/drawing/2014/main" id="{3EFC91FF-35FC-42C7-8717-28A6C8D73416}"/>
               </a:ext>
             </a:extLst>
           </p:cNvPr>
@@ -6590,14 +6547,14 @@
           <p:nvPr>
             <p:extLst>
               <p:ext uri="{D42A27DB-BD31-4B8C-83A1-F6EECF244321}">
-                <p14:modId xmlns:p14="http://schemas.microsoft.com/office/powerpoint/2010/main" val="3935669450"/>
+                <p14:modId xmlns:p14="http://schemas.microsoft.com/office/powerpoint/2010/main" val="424372530"/>
               </p:ext>
             </p:extLst>
           </p:nvPr>
         </p:nvGraphicFramePr>
         <p:xfrm>
           <a:off x="1079751" y="1563349"/>
-          <a:ext cx="6436048" cy="4028742"/>
+          <a:ext cx="6903664" cy="4459382"/>
         </p:xfrm>
         <a:graphic>
           <a:graphicData uri="http://schemas.openxmlformats.org/drawingml/2006/table">
@@ -6606,10 +6563,10 @@
                 <a:tableStyleId>{5C22544A-7EE6-4342-B048-85BDC9FD1C3A}</a:tableStyleId>
               </a:tblPr>
               <a:tblGrid>
-                <a:gridCol w="914597"/>
-                <a:gridCol w="5521451"/>
+                <a:gridCol w="981048"/>
+                <a:gridCol w="5922616"/>
               </a:tblGrid>
-              <a:tr h="428377">
+              <a:tr h="474167">
                 <a:tc>
                   <a:txBody>
                     <a:bodyPr/>
@@ -6665,7 +6622,7 @@
                   <a:tcPr/>
                 </a:tc>
               </a:tr>
-              <a:tr h="428377">
+              <a:tr h="474167">
                 <a:tc>
                   <a:txBody>
                     <a:bodyPr/>
@@ -6709,7 +6666,7 @@
                   <a:tcPr/>
                 </a:tc>
               </a:tr>
-              <a:tr h="428377">
+              <a:tr h="474167">
                 <a:tc>
                   <a:txBody>
                     <a:bodyPr/>
@@ -6741,7 +6698,7 @@
                   <a:tcPr/>
                 </a:tc>
               </a:tr>
-              <a:tr h="428377">
+              <a:tr h="474167">
                 <a:tc>
                   <a:txBody>
                     <a:bodyPr/>
@@ -6785,7 +6742,7 @@
                   <a:tcPr/>
                 </a:tc>
               </a:tr>
-              <a:tr h="428377">
+              <a:tr h="474167">
                 <a:tc>
                   <a:txBody>
                     <a:bodyPr/>
@@ -6821,7 +6778,7 @@
                   <a:tcPr/>
                 </a:tc>
               </a:tr>
-              <a:tr h="428377">
+              <a:tr h="474167">
                 <a:tc>
                   <a:txBody>
                     <a:bodyPr/>
@@ -6853,7 +6810,7 @@
                   <a:tcPr/>
                 </a:tc>
               </a:tr>
-              <a:tr h="428377">
+              <a:tr h="666046">
                 <a:tc>
                   <a:txBody>
                     <a:bodyPr/>
@@ -6949,7 +6906,7 @@
                   <a:tcPr/>
                 </a:tc>
               </a:tr>
-              <a:tr h="428377">
+              <a:tr h="474167">
                 <a:tc>
                   <a:txBody>
                     <a:bodyPr/>
@@ -7008,7 +6965,7 @@
                   <a:tcPr/>
                 </a:tc>
               </a:tr>
-              <a:tr h="428377">
+              <a:tr h="474167">
                 <a:tc>
                   <a:txBody>
                     <a:bodyPr/>
@@ -7122,7 +7079,7 @@
           <p:cNvPr id="3" name="TextBox 2">
             <a:extLst>
               <a:ext uri="{FF2B5EF4-FFF2-40B4-BE49-F238E27FC236}">
-                <a16:creationId xmlns:a16="http://schemas.microsoft.com/office/drawing/2014/main" xmlns="" id="{44353748-190C-4376-BB48-FD26D281FC4A}"/>
+                <a16:creationId xmlns="" xmlns:a16="http://schemas.microsoft.com/office/drawing/2014/main" id="{44353748-190C-4376-BB48-FD26D281FC4A}"/>
               </a:ext>
             </a:extLst>
           </p:cNvPr>
@@ -7175,7 +7132,7 @@
           <p:cNvPr id="4" name="직사각형 3">
             <a:extLst>
               <a:ext uri="{FF2B5EF4-FFF2-40B4-BE49-F238E27FC236}">
-                <a16:creationId xmlns:a16="http://schemas.microsoft.com/office/drawing/2014/main" xmlns="" id="{3EFC91FF-35FC-42C7-8717-28A6C8D73416}"/>
+                <a16:creationId xmlns="" xmlns:a16="http://schemas.microsoft.com/office/drawing/2014/main" id="{3EFC91FF-35FC-42C7-8717-28A6C8D73416}"/>
               </a:ext>
             </a:extLst>
           </p:cNvPr>
@@ -7231,14 +7188,14 @@
           <p:nvPr>
             <p:extLst>
               <p:ext uri="{D42A27DB-BD31-4B8C-83A1-F6EECF244321}">
-                <p14:modId xmlns:p14="http://schemas.microsoft.com/office/powerpoint/2010/main" val="3148404854"/>
+                <p14:modId xmlns:p14="http://schemas.microsoft.com/office/powerpoint/2010/main" val="2514615171"/>
               </p:ext>
             </p:extLst>
           </p:nvPr>
         </p:nvGraphicFramePr>
         <p:xfrm>
-          <a:off x="1499937" y="1782011"/>
-          <a:ext cx="6096000" cy="4054475"/>
+          <a:off x="954814" y="1563349"/>
+          <a:ext cx="7054978" cy="4494549"/>
         </p:xfrm>
         <a:graphic>
           <a:graphicData uri="http://schemas.openxmlformats.org/drawingml/2006/table">
@@ -7247,22 +7204,22 @@
                 <a:tableStyleId>{5C22544A-7EE6-4342-B048-85BDC9FD1C3A}</a:tableStyleId>
               </a:tblPr>
               <a:tblGrid>
-                <a:gridCol w="866274">
+                <a:gridCol w="1002550">
                   <a:extLst>
                     <a:ext uri="{9D8B030D-6E8A-4147-A177-3AD203B41FA5}">
-                      <a16:colId xmlns:a16="http://schemas.microsoft.com/office/drawing/2014/main" xmlns="" val="20000"/>
+                      <a16:colId xmlns="" xmlns:a16="http://schemas.microsoft.com/office/drawing/2014/main" val="20000"/>
                     </a:ext>
                   </a:extLst>
                 </a:gridCol>
-                <a:gridCol w="5229726">
+                <a:gridCol w="6052428">
                   <a:extLst>
                     <a:ext uri="{9D8B030D-6E8A-4147-A177-3AD203B41FA5}">
-                      <a16:colId xmlns:a16="http://schemas.microsoft.com/office/drawing/2014/main" xmlns="" val="20001"/>
+                      <a16:colId xmlns="" xmlns:a16="http://schemas.microsoft.com/office/drawing/2014/main" val="20001"/>
                     </a:ext>
                   </a:extLst>
                 </a:gridCol>
               </a:tblGrid>
-              <a:tr h="370840">
+              <a:tr h="411091">
                 <a:tc>
                   <a:txBody>
                     <a:bodyPr/>
@@ -7293,11 +7250,11 @@
                 </a:tc>
                 <a:extLst>
                   <a:ext uri="{0D108BD9-81ED-4DB2-BD59-A6C34878D82A}">
-                    <a16:rowId xmlns:a16="http://schemas.microsoft.com/office/drawing/2014/main" xmlns="" val="10000"/>
+                    <a16:rowId xmlns="" xmlns:a16="http://schemas.microsoft.com/office/drawing/2014/main" val="10000"/>
                   </a:ext>
                 </a:extLst>
               </a:tr>
-              <a:tr h="370840">
+              <a:tr h="411091">
                 <a:tc>
                   <a:txBody>
                     <a:bodyPr/>
@@ -7365,11 +7322,11 @@
                 </a:tc>
                 <a:extLst>
                   <a:ext uri="{0D108BD9-81ED-4DB2-BD59-A6C34878D82A}">
-                    <a16:rowId xmlns:a16="http://schemas.microsoft.com/office/drawing/2014/main" xmlns="" val="10001"/>
+                    <a16:rowId xmlns="" xmlns:a16="http://schemas.microsoft.com/office/drawing/2014/main" val="10001"/>
                   </a:ext>
                 </a:extLst>
               </a:tr>
-              <a:tr h="370840">
+              <a:tr h="411091">
                 <a:tc>
                   <a:txBody>
                     <a:bodyPr/>
@@ -7406,11 +7363,11 @@
                 </a:tc>
                 <a:extLst>
                   <a:ext uri="{0D108BD9-81ED-4DB2-BD59-A6C34878D82A}">
-                    <a16:rowId xmlns:a16="http://schemas.microsoft.com/office/drawing/2014/main" xmlns="" val="10002"/>
+                    <a16:rowId xmlns="" xmlns:a16="http://schemas.microsoft.com/office/drawing/2014/main" val="10002"/>
                   </a:ext>
                 </a:extLst>
               </a:tr>
-              <a:tr h="370840">
+              <a:tr h="411091">
                 <a:tc>
                   <a:txBody>
                     <a:bodyPr/>
@@ -7447,11 +7404,11 @@
                 </a:tc>
                 <a:extLst>
                   <a:ext uri="{0D108BD9-81ED-4DB2-BD59-A6C34878D82A}">
-                    <a16:rowId xmlns:a16="http://schemas.microsoft.com/office/drawing/2014/main" xmlns="" val="10003"/>
+                    <a16:rowId xmlns="" xmlns:a16="http://schemas.microsoft.com/office/drawing/2014/main" val="10003"/>
                   </a:ext>
                 </a:extLst>
               </a:tr>
-              <a:tr h="370840">
+              <a:tr h="667038">
                 <a:tc>
                   <a:txBody>
                     <a:bodyPr/>
@@ -7520,11 +7477,11 @@
                 </a:tc>
                 <a:extLst>
                   <a:ext uri="{0D108BD9-81ED-4DB2-BD59-A6C34878D82A}">
-                    <a16:rowId xmlns:a16="http://schemas.microsoft.com/office/drawing/2014/main" xmlns="" val="10004"/>
+                    <a16:rowId xmlns="" xmlns:a16="http://schemas.microsoft.com/office/drawing/2014/main" val="10004"/>
                   </a:ext>
                 </a:extLst>
               </a:tr>
-              <a:tr h="370840">
+              <a:tr h="411091">
                 <a:tc>
                   <a:txBody>
                     <a:bodyPr/>
@@ -7588,11 +7545,11 @@
                 </a:tc>
                 <a:extLst>
                   <a:ext uri="{0D108BD9-81ED-4DB2-BD59-A6C34878D82A}">
-                    <a16:rowId xmlns:a16="http://schemas.microsoft.com/office/drawing/2014/main" xmlns="" val="10005"/>
+                    <a16:rowId xmlns="" xmlns:a16="http://schemas.microsoft.com/office/drawing/2014/main" val="10005"/>
                   </a:ext>
                 </a:extLst>
               </a:tr>
-              <a:tr h="370840">
+              <a:tr h="949874">
                 <a:tc>
                   <a:txBody>
                     <a:bodyPr/>
@@ -7767,11 +7724,11 @@
                 </a:tc>
                 <a:extLst>
                   <a:ext uri="{0D108BD9-81ED-4DB2-BD59-A6C34878D82A}">
-                    <a16:rowId xmlns:a16="http://schemas.microsoft.com/office/drawing/2014/main" xmlns="" val="10006"/>
+                    <a16:rowId xmlns="" xmlns:a16="http://schemas.microsoft.com/office/drawing/2014/main" val="10006"/>
                   </a:ext>
                 </a:extLst>
               </a:tr>
-              <a:tr h="370840">
+              <a:tr h="411091">
                 <a:tc>
                   <a:txBody>
                     <a:bodyPr/>
@@ -7831,11 +7788,11 @@
                 </a:tc>
                 <a:extLst>
                   <a:ext uri="{0D108BD9-81ED-4DB2-BD59-A6C34878D82A}">
-                    <a16:rowId xmlns:a16="http://schemas.microsoft.com/office/drawing/2014/main" xmlns="" val="10007"/>
+                    <a16:rowId xmlns="" xmlns:a16="http://schemas.microsoft.com/office/drawing/2014/main" val="10007"/>
                   </a:ext>
                 </a:extLst>
               </a:tr>
-              <a:tr h="370840">
+              <a:tr h="411091">
                 <a:tc>
                   <a:txBody>
                     <a:bodyPr/>
@@ -7895,7 +7852,7 @@
                 </a:tc>
                 <a:extLst>
                   <a:ext uri="{0D108BD9-81ED-4DB2-BD59-A6C34878D82A}">
-                    <a16:rowId xmlns:a16="http://schemas.microsoft.com/office/drawing/2014/main" xmlns="" val="10008"/>
+                    <a16:rowId xmlns="" xmlns:a16="http://schemas.microsoft.com/office/drawing/2014/main" val="10008"/>
                   </a:ext>
                 </a:extLst>
               </a:tr>
@@ -7965,7 +7922,7 @@
           <p:cNvPr id="3" name="TextBox 2">
             <a:extLst>
               <a:ext uri="{FF2B5EF4-FFF2-40B4-BE49-F238E27FC236}">
-                <a16:creationId xmlns:a16="http://schemas.microsoft.com/office/drawing/2014/main" xmlns="" id="{44353748-190C-4376-BB48-FD26D281FC4A}"/>
+                <a16:creationId xmlns="" xmlns:a16="http://schemas.microsoft.com/office/drawing/2014/main" id="{44353748-190C-4376-BB48-FD26D281FC4A}"/>
               </a:ext>
             </a:extLst>
           </p:cNvPr>
@@ -8018,7 +7975,7 @@
           <p:cNvPr id="4" name="직사각형 3">
             <a:extLst>
               <a:ext uri="{FF2B5EF4-FFF2-40B4-BE49-F238E27FC236}">
-                <a16:creationId xmlns:a16="http://schemas.microsoft.com/office/drawing/2014/main" xmlns="" id="{3EFC91FF-35FC-42C7-8717-28A6C8D73416}"/>
+                <a16:creationId xmlns="" xmlns:a16="http://schemas.microsoft.com/office/drawing/2014/main" id="{3EFC91FF-35FC-42C7-8717-28A6C8D73416}"/>
               </a:ext>
             </a:extLst>
           </p:cNvPr>
@@ -8074,14 +8031,14 @@
           <p:nvPr>
             <p:extLst>
               <p:ext uri="{D42A27DB-BD31-4B8C-83A1-F6EECF244321}">
-                <p14:modId xmlns:p14="http://schemas.microsoft.com/office/powerpoint/2010/main" val="2769077023"/>
+                <p14:modId xmlns:p14="http://schemas.microsoft.com/office/powerpoint/2010/main" val="3539436329"/>
               </p:ext>
             </p:extLst>
           </p:nvPr>
         </p:nvGraphicFramePr>
         <p:xfrm>
-          <a:off x="1499937" y="1782011"/>
-          <a:ext cx="6096000" cy="3698511"/>
+          <a:off x="963606" y="1667711"/>
+          <a:ext cx="7081355" cy="4363812"/>
         </p:xfrm>
         <a:graphic>
           <a:graphicData uri="http://schemas.openxmlformats.org/drawingml/2006/table">
@@ -8090,22 +8047,22 @@
                 <a:tableStyleId>{5C22544A-7EE6-4342-B048-85BDC9FD1C3A}</a:tableStyleId>
               </a:tblPr>
               <a:tblGrid>
-                <a:gridCol w="866274">
+                <a:gridCol w="1006298">
                   <a:extLst>
                     <a:ext uri="{9D8B030D-6E8A-4147-A177-3AD203B41FA5}">
-                      <a16:colId xmlns:a16="http://schemas.microsoft.com/office/drawing/2014/main" xmlns="" val="20000"/>
+                      <a16:colId xmlns="" xmlns:a16="http://schemas.microsoft.com/office/drawing/2014/main" val="20000"/>
                     </a:ext>
                   </a:extLst>
                 </a:gridCol>
-                <a:gridCol w="5229726">
+                <a:gridCol w="6075057">
                   <a:extLst>
                     <a:ext uri="{9D8B030D-6E8A-4147-A177-3AD203B41FA5}">
-                      <a16:colId xmlns:a16="http://schemas.microsoft.com/office/drawing/2014/main" xmlns="" val="20001"/>
+                      <a16:colId xmlns="" xmlns:a16="http://schemas.microsoft.com/office/drawing/2014/main" val="20001"/>
                     </a:ext>
                   </a:extLst>
                 </a:gridCol>
               </a:tblGrid>
-              <a:tr h="370840">
+              <a:tr h="437548">
                 <a:tc>
                   <a:txBody>
                     <a:bodyPr/>
@@ -8140,11 +8097,11 @@
                 </a:tc>
                 <a:extLst>
                   <a:ext uri="{0D108BD9-81ED-4DB2-BD59-A6C34878D82A}">
-                    <a16:rowId xmlns:a16="http://schemas.microsoft.com/office/drawing/2014/main" xmlns="" val="10000"/>
+                    <a16:rowId xmlns="" xmlns:a16="http://schemas.microsoft.com/office/drawing/2014/main" val="10000"/>
                   </a:ext>
                 </a:extLst>
               </a:tr>
-              <a:tr h="370840">
+              <a:tr h="437548">
                 <a:tc>
                   <a:txBody>
                     <a:bodyPr/>
@@ -8188,11 +8145,11 @@
                 </a:tc>
                 <a:extLst>
                   <a:ext uri="{0D108BD9-81ED-4DB2-BD59-A6C34878D82A}">
-                    <a16:rowId xmlns:a16="http://schemas.microsoft.com/office/drawing/2014/main" xmlns="" val="10001"/>
+                    <a16:rowId xmlns="" xmlns:a16="http://schemas.microsoft.com/office/drawing/2014/main" val="10001"/>
                   </a:ext>
                 </a:extLst>
               </a:tr>
-              <a:tr h="373333">
+              <a:tr h="440489">
                 <a:tc>
                   <a:txBody>
                     <a:bodyPr/>
@@ -8249,11 +8206,11 @@
                 </a:tc>
                 <a:extLst>
                   <a:ext uri="{0D108BD9-81ED-4DB2-BD59-A6C34878D82A}">
-                    <a16:rowId xmlns:a16="http://schemas.microsoft.com/office/drawing/2014/main" xmlns="" val="10002"/>
+                    <a16:rowId xmlns="" xmlns:a16="http://schemas.microsoft.com/office/drawing/2014/main" val="10002"/>
                   </a:ext>
                 </a:extLst>
               </a:tr>
-              <a:tr h="370840">
+              <a:tr h="437548">
                 <a:tc>
                   <a:txBody>
                     <a:bodyPr/>
@@ -8289,11 +8246,11 @@
                 </a:tc>
                 <a:extLst>
                   <a:ext uri="{0D108BD9-81ED-4DB2-BD59-A6C34878D82A}">
-                    <a16:rowId xmlns:a16="http://schemas.microsoft.com/office/drawing/2014/main" xmlns="" val="10003"/>
+                    <a16:rowId xmlns="" xmlns:a16="http://schemas.microsoft.com/office/drawing/2014/main" val="10003"/>
                   </a:ext>
                 </a:extLst>
               </a:tr>
-              <a:tr h="370840">
+              <a:tr h="860487">
                 <a:tc>
                   <a:txBody>
                     <a:bodyPr/>
@@ -8426,11 +8383,11 @@
                 </a:tc>
                 <a:extLst>
                   <a:ext uri="{0D108BD9-81ED-4DB2-BD59-A6C34878D82A}">
-                    <a16:rowId xmlns:a16="http://schemas.microsoft.com/office/drawing/2014/main" xmlns="" val="10004"/>
+                    <a16:rowId xmlns="" xmlns:a16="http://schemas.microsoft.com/office/drawing/2014/main" val="10004"/>
                   </a:ext>
                 </a:extLst>
               </a:tr>
-              <a:tr h="370840">
+              <a:tr h="437548">
                 <a:tc>
                   <a:txBody>
                     <a:bodyPr/>
@@ -8474,11 +8431,11 @@
                 </a:tc>
                 <a:extLst>
                   <a:ext uri="{0D108BD9-81ED-4DB2-BD59-A6C34878D82A}">
-                    <a16:rowId xmlns:a16="http://schemas.microsoft.com/office/drawing/2014/main" xmlns="" val="10005"/>
+                    <a16:rowId xmlns="" xmlns:a16="http://schemas.microsoft.com/office/drawing/2014/main" val="10005"/>
                   </a:ext>
                 </a:extLst>
               </a:tr>
-              <a:tr h="370840">
+              <a:tr h="437548">
                 <a:tc>
                   <a:txBody>
                     <a:bodyPr/>
@@ -8529,11 +8486,11 @@
                 </a:tc>
                 <a:extLst>
                   <a:ext uri="{0D108BD9-81ED-4DB2-BD59-A6C34878D82A}">
-                    <a16:rowId xmlns:a16="http://schemas.microsoft.com/office/drawing/2014/main" xmlns="" val="10006"/>
+                    <a16:rowId xmlns="" xmlns:a16="http://schemas.microsoft.com/office/drawing/2014/main" val="10006"/>
                   </a:ext>
                 </a:extLst>
               </a:tr>
-              <a:tr h="370840">
+              <a:tr h="437548">
                 <a:tc>
                   <a:txBody>
                     <a:bodyPr/>
@@ -8561,11 +8518,11 @@
                 </a:tc>
                 <a:extLst>
                   <a:ext uri="{0D108BD9-81ED-4DB2-BD59-A6C34878D82A}">
-                    <a16:rowId xmlns:a16="http://schemas.microsoft.com/office/drawing/2014/main" xmlns="" val="10007"/>
+                    <a16:rowId xmlns="" xmlns:a16="http://schemas.microsoft.com/office/drawing/2014/main" val="10007"/>
                   </a:ext>
                 </a:extLst>
               </a:tr>
-              <a:tr h="370840">
+              <a:tr h="437548">
                 <a:tc>
                   <a:txBody>
                     <a:bodyPr/>
@@ -8605,7 +8562,7 @@
                 </a:tc>
                 <a:extLst>
                   <a:ext uri="{0D108BD9-81ED-4DB2-BD59-A6C34878D82A}">
-                    <a16:rowId xmlns:a16="http://schemas.microsoft.com/office/drawing/2014/main" xmlns="" val="10008"/>
+                    <a16:rowId xmlns="" xmlns:a16="http://schemas.microsoft.com/office/drawing/2014/main" val="10008"/>
                   </a:ext>
                 </a:extLst>
               </a:tr>
@@ -8963,7 +8920,7 @@
   <a:extraClrSchemeLst/>
   <a:extLst>
     <a:ext uri="{05A4C25C-085E-4340-85A3-A5531E510DB2}">
-      <thm15:themeFamily xmlns:thm15="http://schemas.microsoft.com/office/thememl/2012/main" xmlns="" name="Default Theme" id="{32B4583A-F2D6-4868-A147-15DC1A640FDA}" vid="{B08A216D-AA0A-4C47-A5EE-EB5C01FD0BBC}"/>
+      <thm15:themeFamily xmlns="" xmlns:thm15="http://schemas.microsoft.com/office/thememl/2012/main" name="Default Theme" id="{32B4583A-F2D6-4868-A147-15DC1A640FDA}" vid="{B08A216D-AA0A-4C47-A5EE-EB5C01FD0BBC}"/>
     </a:ext>
   </a:extLst>
 </a:theme>
@@ -9258,7 +9215,7 @@
   <a:extraClrSchemeLst/>
   <a:extLst>
     <a:ext uri="{05A4C25C-085E-4340-85A3-A5531E510DB2}">
-      <thm15:themeFamily xmlns:thm15="http://schemas.microsoft.com/office/thememl/2012/main" xmlns="" name="Office Theme" id="{62F939B6-93AF-4DB8-9C6B-D6C7DFDC589F}" vid="{4A3C46E8-61CC-4603-A589-7422A47A8E4A}"/>
+      <thm15:themeFamily xmlns="" xmlns:thm15="http://schemas.microsoft.com/office/thememl/2012/main" name="Office Theme" id="{62F939B6-93AF-4DB8-9C6B-D6C7DFDC589F}" vid="{4A3C46E8-61CC-4603-A589-7422A47A8E4A}"/>
     </a:ext>
   </a:extLst>
 </a:theme>
@@ -9553,7 +9510,7 @@
   <a:extraClrSchemeLst/>
   <a:extLst>
     <a:ext uri="{05A4C25C-085E-4340-85A3-A5531E510DB2}">
-      <thm15:themeFamily xmlns:thm15="http://schemas.microsoft.com/office/thememl/2012/main" xmlns="" name="Office Theme" id="{62F939B6-93AF-4DB8-9C6B-D6C7DFDC589F}" vid="{4A3C46E8-61CC-4603-A589-7422A47A8E4A}"/>
+      <thm15:themeFamily xmlns="" xmlns:thm15="http://schemas.microsoft.com/office/thememl/2012/main" name="Office Theme" id="{62F939B6-93AF-4DB8-9C6B-D6C7DFDC589F}" vid="{4A3C46E8-61CC-4603-A589-7422A47A8E4A}"/>
     </a:ext>
   </a:extLst>
 </a:theme>
